--- a/OnlineFlat Rental Application.pptx
+++ b/OnlineFlat Rental Application.pptx
@@ -12,8 +12,8 @@
     <p:sldId id="273" r:id="rId6"/>
     <p:sldId id="266" r:id="rId7"/>
     <p:sldId id="268" r:id="rId8"/>
-    <p:sldId id="269" r:id="rId9"/>
-    <p:sldId id="260" r:id="rId10"/>
+    <p:sldId id="260" r:id="rId9"/>
+    <p:sldId id="269" r:id="rId10"/>
     <p:sldId id="271" r:id="rId11"/>
     <p:sldId id="272" r:id="rId12"/>
   </p:sldIdLst>
@@ -12276,7 +12276,14 @@
           <a:lstStyle/>
           <a:p>
             <a:r>
-              <a:rPr lang="en-IN" dirty="0"/>
+              <a:rPr lang="en-IN" dirty="0">
+                <a:solidFill>
+                  <a:schemeClr val="accent3">
+                    <a:lumMod val="50000"/>
+                    <a:lumOff val="50000"/>
+                  </a:schemeClr>
+                </a:solidFill>
+              </a:rPr>
               <a:t>We are using Spring Boot for this sprint</a:t>
             </a:r>
           </a:p>
@@ -13979,217 +13986,6 @@
       </p:grpSpPr>
       <p:sp>
         <p:nvSpPr>
-          <p:cNvPr id="2" name="Title 1">
-            <a:extLst>
-              <a:ext uri="{FF2B5EF4-FFF2-40B4-BE49-F238E27FC236}">
-                <a16:creationId xmlns:a16="http://schemas.microsoft.com/office/drawing/2014/main" id="{E9E51AAE-346F-06E5-CEE2-48E7C72A8F09}"/>
-              </a:ext>
-            </a:extLst>
-          </p:cNvPr>
-          <p:cNvSpPr>
-            <a:spLocks noGrp="1"/>
-          </p:cNvSpPr>
-          <p:nvPr>
-            <p:ph type="title" idx="4294967295"/>
-          </p:nvPr>
-        </p:nvSpPr>
-        <p:spPr>
-          <a:xfrm>
-            <a:off x="0" y="652463"/>
-            <a:ext cx="10972800" cy="387350"/>
-          </a:xfrm>
-        </p:spPr>
-        <p:txBody>
-          <a:bodyPr/>
-          <a:lstStyle/>
-          <a:p>
-            <a:r>
-              <a:rPr lang="en-IN" sz="2800" b="1" dirty="0">
-                <a:solidFill>
-                  <a:schemeClr val="accent1"/>
-                </a:solidFill>
-              </a:rPr>
-              <a:t>Tenant has the following way to search for flat</a:t>
-            </a:r>
-          </a:p>
-        </p:txBody>
-      </p:sp>
-      <p:sp>
-        <p:nvSpPr>
-          <p:cNvPr id="3" name="Text Placeholder 2">
-            <a:extLst>
-              <a:ext uri="{FF2B5EF4-FFF2-40B4-BE49-F238E27FC236}">
-                <a16:creationId xmlns:a16="http://schemas.microsoft.com/office/drawing/2014/main" id="{49B943B6-064D-2997-0694-2FD2372BB822}"/>
-              </a:ext>
-            </a:extLst>
-          </p:cNvPr>
-          <p:cNvSpPr>
-            <a:spLocks noGrp="1"/>
-          </p:cNvSpPr>
-          <p:nvPr>
-            <p:ph type="body" idx="4294967295"/>
-          </p:nvPr>
-        </p:nvSpPr>
-        <p:spPr>
-          <a:xfrm>
-            <a:off x="0" y="1555750"/>
-            <a:ext cx="10972800" cy="3849688"/>
-          </a:xfrm>
-        </p:spPr>
-        <p:txBody>
-          <a:bodyPr>
-            <a:normAutofit fontScale="85000" lnSpcReduction="20000"/>
-          </a:bodyPr>
-          <a:lstStyle/>
-          <a:p>
-            <a:pPr marL="285750" indent="-285750">
-              <a:buFont typeface="Arial" panose="020B0604020202020204" pitchFamily="34" charset="0"/>
-              <a:buChar char="•"/>
-            </a:pPr>
-            <a:r>
-              <a:rPr lang="en-US" sz="1800" dirty="0"/>
-              <a:t>Filter by flat type</a:t>
-            </a:r>
-          </a:p>
-          <a:p>
-            <a:pPr marL="285750" indent="-285750">
-              <a:buFont typeface="Arial" panose="020B0604020202020204" pitchFamily="34" charset="0"/>
-              <a:buChar char="•"/>
-            </a:pPr>
-            <a:endParaRPr lang="en-US" sz="1800" dirty="0"/>
-          </a:p>
-          <a:p>
-            <a:pPr marL="285750" indent="-285750">
-              <a:buFont typeface="Arial" panose="020B0604020202020204" pitchFamily="34" charset="0"/>
-              <a:buChar char="•"/>
-            </a:pPr>
-            <a:r>
-              <a:rPr lang="en-US" sz="1800" dirty="0"/>
-              <a:t>Filter by Price</a:t>
-            </a:r>
-          </a:p>
-          <a:p>
-            <a:pPr marL="285750" indent="-285750">
-              <a:buFont typeface="Arial" panose="020B0604020202020204" pitchFamily="34" charset="0"/>
-              <a:buChar char="•"/>
-            </a:pPr>
-            <a:endParaRPr lang="en-US" sz="1800" dirty="0"/>
-          </a:p>
-          <a:p>
-            <a:pPr marL="285750" indent="-285750">
-              <a:buFont typeface="Arial" panose="020B0604020202020204" pitchFamily="34" charset="0"/>
-              <a:buChar char="•"/>
-            </a:pPr>
-            <a:r>
-              <a:rPr lang="en-US" sz="1800" dirty="0"/>
-              <a:t>Filter by address</a:t>
-            </a:r>
-          </a:p>
-          <a:p>
-            <a:pPr marL="285750" indent="-285750">
-              <a:buFont typeface="Arial" panose="020B0604020202020204" pitchFamily="34" charset="0"/>
-              <a:buChar char="•"/>
-            </a:pPr>
-            <a:endParaRPr lang="en-US" sz="1800" dirty="0"/>
-          </a:p>
-          <a:p>
-            <a:pPr marL="285750" indent="-285750">
-              <a:buFont typeface="Arial" panose="020B0604020202020204" pitchFamily="34" charset="0"/>
-              <a:buChar char="•"/>
-            </a:pPr>
-            <a:r>
-              <a:rPr lang="en-US" sz="1800" dirty="0"/>
-              <a:t>Filter by City</a:t>
-            </a:r>
-          </a:p>
-          <a:p>
-            <a:pPr marL="285750" indent="-285750">
-              <a:buFont typeface="Arial" panose="020B0604020202020204" pitchFamily="34" charset="0"/>
-              <a:buChar char="•"/>
-            </a:pPr>
-            <a:endParaRPr lang="en-US" sz="1800" dirty="0"/>
-          </a:p>
-          <a:p>
-            <a:pPr marL="285750" indent="-285750">
-              <a:buFont typeface="Arial" panose="020B0604020202020204" pitchFamily="34" charset="0"/>
-              <a:buChar char="•"/>
-            </a:pPr>
-            <a:r>
-              <a:rPr lang="en-US" sz="1800" dirty="0"/>
-              <a:t>Filter by State</a:t>
-            </a:r>
-          </a:p>
-          <a:p>
-            <a:pPr marL="285750" indent="-285750">
-              <a:buFont typeface="Arial" panose="020B0604020202020204" pitchFamily="34" charset="0"/>
-              <a:buChar char="•"/>
-            </a:pPr>
-            <a:endParaRPr lang="en-US" sz="1800" dirty="0"/>
-          </a:p>
-          <a:p>
-            <a:pPr marL="285750" indent="-285750">
-              <a:buFont typeface="Arial" panose="020B0604020202020204" pitchFamily="34" charset="0"/>
-              <a:buChar char="•"/>
-            </a:pPr>
-            <a:r>
-              <a:rPr lang="en-US" sz="1800" dirty="0"/>
-              <a:t>Filter by Country</a:t>
-            </a:r>
-          </a:p>
-          <a:p>
-            <a:pPr marL="285750" indent="-285750">
-              <a:buFont typeface="Arial" panose="020B0604020202020204" pitchFamily="34" charset="0"/>
-              <a:buChar char="•"/>
-            </a:pPr>
-            <a:endParaRPr lang="en-US" sz="1800" dirty="0"/>
-          </a:p>
-          <a:p>
-            <a:pPr marL="285750" indent="-285750">
-              <a:buFont typeface="Arial" panose="020B0604020202020204" pitchFamily="34" charset="0"/>
-              <a:buChar char="•"/>
-            </a:pPr>
-            <a:r>
-              <a:rPr lang="en-US" sz="1800" dirty="0"/>
-              <a:t>Filter by amenities</a:t>
-            </a:r>
-          </a:p>
-          <a:p>
-            <a:endParaRPr lang="en-IN" dirty="0"/>
-          </a:p>
-        </p:txBody>
-      </p:sp>
-    </p:spTree>
-    <p:extLst>
-      <p:ext uri="{BB962C8B-B14F-4D97-AF65-F5344CB8AC3E}">
-        <p14:creationId xmlns:p14="http://schemas.microsoft.com/office/powerpoint/2010/main" val="1571142114"/>
-      </p:ext>
-    </p:extLst>
-  </p:cSld>
-  <p:clrMapOvr>
-    <a:masterClrMapping/>
-  </p:clrMapOvr>
-</p:sld>
-</file>
-
-<file path=ppt/slides/slide7.xml><?xml version="1.0" encoding="utf-8"?>
-<p:sld xmlns:a="http://schemas.openxmlformats.org/drawingml/2006/main" xmlns:r="http://schemas.openxmlformats.org/officeDocument/2006/relationships" xmlns:p="http://schemas.openxmlformats.org/presentationml/2006/main">
-  <p:cSld>
-    <p:spTree>
-      <p:nvGrpSpPr>
-        <p:cNvPr id="1" name=""/>
-        <p:cNvGrpSpPr/>
-        <p:nvPr/>
-      </p:nvGrpSpPr>
-      <p:grpSpPr>
-        <a:xfrm>
-          <a:off x="0" y="0"/>
-          <a:ext cx="0" cy="0"/>
-          <a:chOff x="0" y="0"/>
-          <a:chExt cx="0" cy="0"/>
-        </a:xfrm>
-      </p:grpSpPr>
-      <p:sp>
-        <p:nvSpPr>
           <p:cNvPr id="507" name="CustomShape 1"/>
           <p:cNvSpPr/>
           <p:nvPr/>
@@ -15433,6 +15229,308 @@
 </p:sld>
 </file>
 
+<file path=ppt/slides/slide7.xml><?xml version="1.0" encoding="utf-8"?>
+<p:sld xmlns:a="http://schemas.openxmlformats.org/drawingml/2006/main" xmlns:r="http://schemas.openxmlformats.org/officeDocument/2006/relationships" xmlns:p="http://schemas.openxmlformats.org/presentationml/2006/main">
+  <p:cSld>
+    <p:spTree>
+      <p:nvGrpSpPr>
+        <p:cNvPr id="1" name=""/>
+        <p:cNvGrpSpPr/>
+        <p:nvPr/>
+      </p:nvGrpSpPr>
+      <p:grpSpPr>
+        <a:xfrm>
+          <a:off x="0" y="0"/>
+          <a:ext cx="0" cy="0"/>
+          <a:chOff x="0" y="0"/>
+          <a:chExt cx="0" cy="0"/>
+        </a:xfrm>
+      </p:grpSpPr>
+      <p:sp>
+        <p:nvSpPr>
+          <p:cNvPr id="2" name="Title 1">
+            <a:extLst>
+              <a:ext uri="{FF2B5EF4-FFF2-40B4-BE49-F238E27FC236}">
+                <a16:creationId xmlns:a16="http://schemas.microsoft.com/office/drawing/2014/main" id="{E9E51AAE-346F-06E5-CEE2-48E7C72A8F09}"/>
+              </a:ext>
+            </a:extLst>
+          </p:cNvPr>
+          <p:cNvSpPr>
+            <a:spLocks noGrp="1"/>
+          </p:cNvSpPr>
+          <p:nvPr>
+            <p:ph type="title" idx="4294967295"/>
+          </p:nvPr>
+        </p:nvSpPr>
+        <p:spPr>
+          <a:xfrm>
+            <a:off x="0" y="652463"/>
+            <a:ext cx="10972800" cy="387350"/>
+          </a:xfrm>
+        </p:spPr>
+        <p:txBody>
+          <a:bodyPr/>
+          <a:lstStyle/>
+          <a:p>
+            <a:r>
+              <a:rPr lang="en-IN" sz="2800" b="1" dirty="0">
+                <a:solidFill>
+                  <a:schemeClr val="accent1"/>
+                </a:solidFill>
+              </a:rPr>
+              <a:t>	Tenant has the following way to search for flat</a:t>
+            </a:r>
+          </a:p>
+        </p:txBody>
+      </p:sp>
+      <p:sp>
+        <p:nvSpPr>
+          <p:cNvPr id="3" name="Text Placeholder 2">
+            <a:extLst>
+              <a:ext uri="{FF2B5EF4-FFF2-40B4-BE49-F238E27FC236}">
+                <a16:creationId xmlns:a16="http://schemas.microsoft.com/office/drawing/2014/main" id="{49B943B6-064D-2997-0694-2FD2372BB822}"/>
+              </a:ext>
+            </a:extLst>
+          </p:cNvPr>
+          <p:cNvSpPr>
+            <a:spLocks noGrp="1"/>
+          </p:cNvSpPr>
+          <p:nvPr>
+            <p:ph type="body" idx="4294967295"/>
+          </p:nvPr>
+        </p:nvSpPr>
+        <p:spPr>
+          <a:xfrm>
+            <a:off x="609600" y="1504155"/>
+            <a:ext cx="10972800" cy="5004799"/>
+          </a:xfrm>
+        </p:spPr>
+        <p:txBody>
+          <a:bodyPr>
+            <a:normAutofit fontScale="55000" lnSpcReduction="20000"/>
+          </a:bodyPr>
+          <a:lstStyle/>
+          <a:p>
+            <a:pPr marL="285750" indent="-285750">
+              <a:buFont typeface="Arial" panose="020B0604020202020204" pitchFamily="34" charset="0"/>
+              <a:buChar char="•"/>
+            </a:pPr>
+            <a:r>
+              <a:rPr lang="en-US" sz="4200" dirty="0">
+                <a:solidFill>
+                  <a:schemeClr val="accent3">
+                    <a:lumMod val="50000"/>
+                    <a:lumOff val="50000"/>
+                  </a:schemeClr>
+                </a:solidFill>
+              </a:rPr>
+              <a:t>Filter by flat type</a:t>
+            </a:r>
+          </a:p>
+          <a:p>
+            <a:pPr marL="285750" indent="-285750">
+              <a:buFont typeface="Arial" panose="020B0604020202020204" pitchFamily="34" charset="0"/>
+              <a:buChar char="•"/>
+            </a:pPr>
+            <a:endParaRPr lang="en-US" sz="4200" dirty="0">
+              <a:solidFill>
+                <a:schemeClr val="accent3">
+                  <a:lumMod val="50000"/>
+                  <a:lumOff val="50000"/>
+                </a:schemeClr>
+              </a:solidFill>
+            </a:endParaRPr>
+          </a:p>
+          <a:p>
+            <a:pPr marL="285750" indent="-285750">
+              <a:buFont typeface="Arial" panose="020B0604020202020204" pitchFamily="34" charset="0"/>
+              <a:buChar char="•"/>
+            </a:pPr>
+            <a:r>
+              <a:rPr lang="en-US" sz="4200" dirty="0">
+                <a:solidFill>
+                  <a:schemeClr val="accent3">
+                    <a:lumMod val="50000"/>
+                    <a:lumOff val="50000"/>
+                  </a:schemeClr>
+                </a:solidFill>
+              </a:rPr>
+              <a:t>Filter by Price</a:t>
+            </a:r>
+          </a:p>
+          <a:p>
+            <a:pPr marL="285750" indent="-285750">
+              <a:buFont typeface="Arial" panose="020B0604020202020204" pitchFamily="34" charset="0"/>
+              <a:buChar char="•"/>
+            </a:pPr>
+            <a:endParaRPr lang="en-US" sz="4200" dirty="0">
+              <a:solidFill>
+                <a:schemeClr val="accent3">
+                  <a:lumMod val="50000"/>
+                  <a:lumOff val="50000"/>
+                </a:schemeClr>
+              </a:solidFill>
+            </a:endParaRPr>
+          </a:p>
+          <a:p>
+            <a:pPr marL="285750" indent="-285750">
+              <a:buFont typeface="Arial" panose="020B0604020202020204" pitchFamily="34" charset="0"/>
+              <a:buChar char="•"/>
+            </a:pPr>
+            <a:r>
+              <a:rPr lang="en-US" sz="4200" dirty="0">
+                <a:solidFill>
+                  <a:schemeClr val="accent3">
+                    <a:lumMod val="50000"/>
+                    <a:lumOff val="50000"/>
+                  </a:schemeClr>
+                </a:solidFill>
+              </a:rPr>
+              <a:t>Filter by address</a:t>
+            </a:r>
+          </a:p>
+          <a:p>
+            <a:pPr marL="285750" indent="-285750">
+              <a:buFont typeface="Arial" panose="020B0604020202020204" pitchFamily="34" charset="0"/>
+              <a:buChar char="•"/>
+            </a:pPr>
+            <a:endParaRPr lang="en-US" sz="4200" dirty="0">
+              <a:solidFill>
+                <a:schemeClr val="accent3">
+                  <a:lumMod val="50000"/>
+                  <a:lumOff val="50000"/>
+                </a:schemeClr>
+              </a:solidFill>
+            </a:endParaRPr>
+          </a:p>
+          <a:p>
+            <a:pPr marL="285750" indent="-285750">
+              <a:buFont typeface="Arial" panose="020B0604020202020204" pitchFamily="34" charset="0"/>
+              <a:buChar char="•"/>
+            </a:pPr>
+            <a:r>
+              <a:rPr lang="en-US" sz="4200" dirty="0">
+                <a:solidFill>
+                  <a:schemeClr val="accent3">
+                    <a:lumMod val="50000"/>
+                    <a:lumOff val="50000"/>
+                  </a:schemeClr>
+                </a:solidFill>
+              </a:rPr>
+              <a:t>Filter by City</a:t>
+            </a:r>
+          </a:p>
+          <a:p>
+            <a:pPr marL="285750" indent="-285750">
+              <a:buFont typeface="Arial" panose="020B0604020202020204" pitchFamily="34" charset="0"/>
+              <a:buChar char="•"/>
+            </a:pPr>
+            <a:endParaRPr lang="en-US" sz="4200" dirty="0">
+              <a:solidFill>
+                <a:schemeClr val="accent3">
+                  <a:lumMod val="50000"/>
+                  <a:lumOff val="50000"/>
+                </a:schemeClr>
+              </a:solidFill>
+            </a:endParaRPr>
+          </a:p>
+          <a:p>
+            <a:pPr marL="285750" indent="-285750">
+              <a:buFont typeface="Arial" panose="020B0604020202020204" pitchFamily="34" charset="0"/>
+              <a:buChar char="•"/>
+            </a:pPr>
+            <a:r>
+              <a:rPr lang="en-US" sz="4200" dirty="0">
+                <a:solidFill>
+                  <a:schemeClr val="accent3">
+                    <a:lumMod val="50000"/>
+                    <a:lumOff val="50000"/>
+                  </a:schemeClr>
+                </a:solidFill>
+              </a:rPr>
+              <a:t>Filter by State</a:t>
+            </a:r>
+          </a:p>
+          <a:p>
+            <a:pPr marL="285750" indent="-285750">
+              <a:buFont typeface="Arial" panose="020B0604020202020204" pitchFamily="34" charset="0"/>
+              <a:buChar char="•"/>
+            </a:pPr>
+            <a:endParaRPr lang="en-US" sz="4200" dirty="0">
+              <a:solidFill>
+                <a:schemeClr val="accent3">
+                  <a:lumMod val="50000"/>
+                  <a:lumOff val="50000"/>
+                </a:schemeClr>
+              </a:solidFill>
+            </a:endParaRPr>
+          </a:p>
+          <a:p>
+            <a:pPr marL="285750" indent="-285750">
+              <a:buFont typeface="Arial" panose="020B0604020202020204" pitchFamily="34" charset="0"/>
+              <a:buChar char="•"/>
+            </a:pPr>
+            <a:r>
+              <a:rPr lang="en-US" sz="4200" dirty="0">
+                <a:solidFill>
+                  <a:schemeClr val="accent3">
+                    <a:lumMod val="50000"/>
+                    <a:lumOff val="50000"/>
+                  </a:schemeClr>
+                </a:solidFill>
+              </a:rPr>
+              <a:t>Filter by Country</a:t>
+            </a:r>
+          </a:p>
+          <a:p>
+            <a:pPr marL="285750" indent="-285750">
+              <a:buFont typeface="Arial" panose="020B0604020202020204" pitchFamily="34" charset="0"/>
+              <a:buChar char="•"/>
+            </a:pPr>
+            <a:endParaRPr lang="en-US" sz="4200" dirty="0">
+              <a:solidFill>
+                <a:schemeClr val="accent3">
+                  <a:lumMod val="50000"/>
+                  <a:lumOff val="50000"/>
+                </a:schemeClr>
+              </a:solidFill>
+            </a:endParaRPr>
+          </a:p>
+          <a:p>
+            <a:pPr marL="285750" indent="-285750">
+              <a:buFont typeface="Arial" panose="020B0604020202020204" pitchFamily="34" charset="0"/>
+              <a:buChar char="•"/>
+            </a:pPr>
+            <a:r>
+              <a:rPr lang="en-US" sz="4200" dirty="0">
+                <a:solidFill>
+                  <a:schemeClr val="accent3">
+                    <a:lumMod val="50000"/>
+                    <a:lumOff val="50000"/>
+                  </a:schemeClr>
+                </a:solidFill>
+              </a:rPr>
+              <a:t>Filter by amenities</a:t>
+            </a:r>
+          </a:p>
+          <a:p>
+            <a:endParaRPr lang="en-IN" dirty="0"/>
+          </a:p>
+        </p:txBody>
+      </p:sp>
+    </p:spTree>
+    <p:extLst>
+      <p:ext uri="{BB962C8B-B14F-4D97-AF65-F5344CB8AC3E}">
+        <p14:creationId xmlns:p14="http://schemas.microsoft.com/office/powerpoint/2010/main" val="2106735259"/>
+      </p:ext>
+    </p:extLst>
+  </p:cSld>
+  <p:clrMapOvr>
+    <a:masterClrMapping/>
+  </p:clrMapOvr>
+</p:sld>
+</file>
+
 <file path=ppt/slides/slide8.xml><?xml version="1.0" encoding="utf-8"?>
 <p:sld xmlns:a="http://schemas.openxmlformats.org/drawingml/2006/main" xmlns:r="http://schemas.openxmlformats.org/officeDocument/2006/relationships" xmlns:p="http://schemas.openxmlformats.org/presentationml/2006/main">
   <p:cSld>
@@ -15531,7 +15629,7 @@
             </a:r>
           </a:p>
           <a:p>
-            <a:pPr marL="285750" indent="-285750" algn="ctr">
+            <a:pPr marL="285750" indent="-285750">
               <a:buFont typeface="Arial" panose="020B0604020202020204" pitchFamily="34" charset="0"/>
               <a:buChar char="•"/>
             </a:pPr>
@@ -15541,7 +15639,7 @@
             </a:r>
           </a:p>
           <a:p>
-            <a:pPr marL="285750" indent="-285750" algn="ctr">
+            <a:pPr marL="285750" indent="-285750">
               <a:buFont typeface="Arial" panose="020B0604020202020204" pitchFamily="34" charset="0"/>
               <a:buChar char="•"/>
             </a:pPr>
@@ -15551,7 +15649,7 @@
             </a:r>
           </a:p>
           <a:p>
-            <a:pPr marL="285750" indent="-285750" algn="ctr">
+            <a:pPr marL="285750" indent="-285750">
               <a:buFont typeface="Arial" panose="020B0604020202020204" pitchFamily="34" charset="0"/>
               <a:buChar char="•"/>
             </a:pPr>
@@ -15561,7 +15659,7 @@
             </a:r>
           </a:p>
           <a:p>
-            <a:pPr marL="285750" indent="-285750" algn="ctr">
+            <a:pPr marL="285750" indent="-285750">
               <a:buFont typeface="Arial" panose="020B0604020202020204" pitchFamily="34" charset="0"/>
               <a:buChar char="•"/>
             </a:pPr>
@@ -15571,7 +15669,7 @@
             </a:r>
           </a:p>
           <a:p>
-            <a:pPr marL="285750" indent="-285750" algn="ctr">
+            <a:pPr marL="285750" indent="-285750">
               <a:buFont typeface="Arial" panose="020B0604020202020204" pitchFamily="34" charset="0"/>
               <a:buChar char="•"/>
             </a:pPr>
@@ -15581,7 +15679,7 @@
             </a:r>
           </a:p>
           <a:p>
-            <a:pPr marL="285750" indent="-285750" algn="ctr">
+            <a:pPr marL="285750" indent="-285750">
               <a:buFont typeface="Arial" panose="020B0604020202020204" pitchFamily="34" charset="0"/>
               <a:buChar char="•"/>
             </a:pPr>
@@ -15591,7 +15689,7 @@
             </a:r>
           </a:p>
           <a:p>
-            <a:pPr marL="285750" indent="-285750" algn="ctr">
+            <a:pPr marL="285750" indent="-285750">
               <a:buFont typeface="Arial" panose="020B0604020202020204" pitchFamily="34" charset="0"/>
               <a:buChar char="•"/>
             </a:pPr>
@@ -15601,7 +15699,7 @@
             </a:r>
           </a:p>
           <a:p>
-            <a:pPr marL="285750" indent="-285750" algn="ctr">
+            <a:pPr marL="285750" indent="-285750">
               <a:buFont typeface="Arial" panose="020B0604020202020204" pitchFamily="34" charset="0"/>
               <a:buChar char="•"/>
             </a:pPr>
@@ -15704,7 +15802,7 @@
             </a:r>
           </a:p>
           <a:p>
-            <a:pPr marL="285750" indent="-285750" algn="ctr">
+            <a:pPr marL="285750" indent="-285750">
               <a:buFont typeface="Arial" panose="020B0604020202020204" pitchFamily="34" charset="0"/>
               <a:buChar char="•"/>
             </a:pPr>
@@ -15714,7 +15812,7 @@
             </a:r>
           </a:p>
           <a:p>
-            <a:pPr marL="285750" indent="-285750" algn="ctr">
+            <a:pPr marL="285750" indent="-285750">
               <a:buFont typeface="Arial" panose="020B0604020202020204" pitchFamily="34" charset="0"/>
               <a:buChar char="•"/>
             </a:pPr>
@@ -15724,7 +15822,7 @@
             </a:r>
           </a:p>
           <a:p>
-            <a:pPr marL="285750" indent="-285750" algn="ctr">
+            <a:pPr marL="285750" indent="-285750">
               <a:buFont typeface="Arial" panose="020B0604020202020204" pitchFamily="34" charset="0"/>
               <a:buChar char="•"/>
             </a:pPr>
@@ -15734,7 +15832,7 @@
             </a:r>
           </a:p>
           <a:p>
-            <a:pPr marL="285750" indent="-285750" algn="ctr">
+            <a:pPr marL="285750" indent="-285750">
               <a:buFont typeface="Arial" panose="020B0604020202020204" pitchFamily="34" charset="0"/>
               <a:buChar char="•"/>
             </a:pPr>
@@ -15744,7 +15842,7 @@
             </a:r>
           </a:p>
           <a:p>
-            <a:pPr marL="285750" indent="-285750" algn="ctr">
+            <a:pPr marL="285750" indent="-285750">
               <a:buFont typeface="Arial" panose="020B0604020202020204" pitchFamily="34" charset="0"/>
               <a:buChar char="•"/>
             </a:pPr>
@@ -15754,7 +15852,7 @@
             </a:r>
           </a:p>
           <a:p>
-            <a:pPr marL="285750" indent="-285750" algn="ctr">
+            <a:pPr marL="285750" indent="-285750">
               <a:buFont typeface="Arial" panose="020B0604020202020204" pitchFamily="34" charset="0"/>
               <a:buChar char="•"/>
             </a:pPr>
@@ -15764,7 +15862,7 @@
             </a:r>
           </a:p>
           <a:p>
-            <a:pPr marL="285750" indent="-285750" algn="ctr">
+            <a:pPr marL="285750" indent="-285750">
               <a:buFont typeface="Arial" panose="020B0604020202020204" pitchFamily="34" charset="0"/>
               <a:buChar char="•"/>
             </a:pPr>
@@ -15774,7 +15872,7 @@
             </a:r>
           </a:p>
           <a:p>
-            <a:pPr marL="285750" indent="-285750" algn="ctr">
+            <a:pPr marL="285750" indent="-285750">
               <a:buFont typeface="Arial" panose="020B0604020202020204" pitchFamily="34" charset="0"/>
               <a:buChar char="•"/>
             </a:pPr>
@@ -15807,8 +15905,8 @@
         </p:nvSpPr>
         <p:spPr>
           <a:xfrm>
-            <a:off x="5599963" y="934191"/>
-            <a:ext cx="1899920" cy="3413758"/>
+            <a:off x="5599962" y="934191"/>
+            <a:ext cx="1953998" cy="3411666"/>
           </a:xfrm>
           <a:prstGeom prst="rect">
             <a:avLst/>
@@ -15839,7 +15937,7 @@
             </a:r>
           </a:p>
           <a:p>
-            <a:pPr marL="285750" indent="-285750" algn="ctr">
+            <a:pPr marL="285750" indent="-285750">
               <a:buFont typeface="Arial" panose="020B0604020202020204" pitchFamily="34" charset="0"/>
               <a:buChar char="•"/>
             </a:pPr>
@@ -15849,7 +15947,7 @@
             </a:r>
           </a:p>
           <a:p>
-            <a:pPr marL="285750" indent="-285750" algn="ctr">
+            <a:pPr marL="285750" indent="-285750">
               <a:buFont typeface="Arial" panose="020B0604020202020204" pitchFamily="34" charset="0"/>
               <a:buChar char="•"/>
             </a:pPr>
@@ -15859,17 +15957,17 @@
             </a:r>
           </a:p>
           <a:p>
-            <a:pPr marL="285750" indent="-285750" algn="ctr">
+            <a:pPr marL="285750" indent="-285750">
               <a:buFont typeface="Arial" panose="020B0604020202020204" pitchFamily="34" charset="0"/>
               <a:buChar char="•"/>
             </a:pPr>
             <a:r>
               <a:rPr lang="en-IN" sz="1400" dirty="0"/>
-              <a:t>   Flat Booking Repository</a:t>
-            </a:r>
-          </a:p>
-          <a:p>
-            <a:pPr marL="285750" indent="-285750" algn="ctr">
+              <a:t>Flat Booking Repository</a:t>
+            </a:r>
+          </a:p>
+          <a:p>
+            <a:pPr marL="285750" indent="-285750">
               <a:buFont typeface="Arial" panose="020B0604020202020204" pitchFamily="34" charset="0"/>
               <a:buChar char="•"/>
             </a:pPr>
@@ -15879,7 +15977,7 @@
             </a:r>
           </a:p>
           <a:p>
-            <a:pPr marL="285750" indent="-285750" algn="ctr">
+            <a:pPr marL="285750" indent="-285750">
               <a:buFont typeface="Arial" panose="020B0604020202020204" pitchFamily="34" charset="0"/>
               <a:buChar char="•"/>
             </a:pPr>
@@ -15889,7 +15987,7 @@
             </a:r>
           </a:p>
           <a:p>
-            <a:pPr marL="285750" indent="-285750" algn="ctr">
+            <a:pPr marL="285750" indent="-285750">
               <a:buFont typeface="Arial" panose="020B0604020202020204" pitchFamily="34" charset="0"/>
               <a:buChar char="•"/>
             </a:pPr>
@@ -15899,7 +15997,7 @@
             </a:r>
           </a:p>
           <a:p>
-            <a:pPr marL="285750" indent="-285750" algn="ctr">
+            <a:pPr marL="285750" indent="-285750">
               <a:buFont typeface="Arial" panose="020B0604020202020204" pitchFamily="34" charset="0"/>
               <a:buChar char="•"/>
             </a:pPr>
@@ -15909,7 +16007,7 @@
             </a:r>
           </a:p>
           <a:p>
-            <a:pPr marL="285750" indent="-285750" algn="ctr">
+            <a:pPr marL="285750" indent="-285750">
               <a:buFont typeface="Arial" panose="020B0604020202020204" pitchFamily="34" charset="0"/>
               <a:buChar char="•"/>
             </a:pPr>
@@ -15945,7 +16043,7 @@
         </p:nvCxnSpPr>
         <p:spPr>
           <a:xfrm>
-            <a:off x="5638800" y="1221105"/>
+            <a:off x="5599962" y="1322378"/>
             <a:ext cx="1915160" cy="0"/>
           </a:xfrm>
           <a:prstGeom prst="line">
@@ -16108,7 +16206,7 @@
         <p:spPr>
           <a:xfrm>
             <a:off x="8511540" y="936505"/>
-            <a:ext cx="2402840" cy="2272270"/>
+            <a:ext cx="2402840" cy="3409352"/>
           </a:xfrm>
           <a:prstGeom prst="rect">
             <a:avLst/>
@@ -16132,66 +16230,123 @@
           <a:bodyPr rtlCol="0" anchor="ctr"/>
           <a:lstStyle/>
           <a:p>
-            <a:pPr algn="ctr"/>
-            <a:r>
-              <a:rPr lang="en-IN" sz="1600" dirty="0"/>
-              <a:t>Entity / Database</a:t>
-            </a:r>
-          </a:p>
-          <a:p>
-            <a:pPr algn="ctr"/>
             <a:r>
               <a:rPr lang="en-IN" sz="1400" dirty="0"/>
-              <a:t>1. Admin   2.Amenities</a:t>
-            </a:r>
-          </a:p>
-          <a:p>
-            <a:pPr algn="ctr"/>
+              <a:t>Database</a:t>
+            </a:r>
+          </a:p>
+          <a:p>
+            <a:pPr marL="342900" indent="-342900">
+              <a:buFont typeface="Arial" panose="020B0604020202020204" pitchFamily="34" charset="0"/>
+              <a:buChar char="•"/>
+            </a:pPr>
+            <a:endParaRPr lang="en-IN" sz="1400" dirty="0"/>
+          </a:p>
+          <a:p>
+            <a:pPr marL="342900" indent="-342900">
+              <a:buFont typeface="Arial" panose="020B0604020202020204" pitchFamily="34" charset="0"/>
+              <a:buChar char="•"/>
+            </a:pPr>
+            <a:endParaRPr lang="en-IN" sz="1400" dirty="0"/>
+          </a:p>
+          <a:p>
+            <a:pPr marL="342900" indent="-342900">
+              <a:buFont typeface="Arial" panose="020B0604020202020204" pitchFamily="34" charset="0"/>
+              <a:buChar char="•"/>
+            </a:pPr>
             <a:r>
               <a:rPr lang="en-IN" sz="1400" dirty="0"/>
-              <a:t>3.Flat Booking </a:t>
-            </a:r>
-          </a:p>
-          <a:p>
-            <a:pPr algn="ctr"/>
+              <a:t>Admin   </a:t>
+            </a:r>
+          </a:p>
+          <a:p>
+            <a:pPr marL="342900" indent="-342900">
+              <a:buFont typeface="Arial" panose="020B0604020202020204" pitchFamily="34" charset="0"/>
+              <a:buChar char="•"/>
+            </a:pPr>
             <a:r>
               <a:rPr lang="en-IN" sz="1400" dirty="0"/>
-              <a:t>4.Booking Request  </a:t>
-            </a:r>
-          </a:p>
-          <a:p>
-            <a:pPr algn="ctr"/>
+              <a:t>Amenities</a:t>
+            </a:r>
+          </a:p>
+          <a:p>
+            <a:pPr marL="285750" indent="-285750">
+              <a:buFont typeface="Arial" panose="020B0604020202020204" pitchFamily="34" charset="0"/>
+              <a:buChar char="•"/>
+            </a:pPr>
             <a:r>
               <a:rPr lang="en-IN" sz="1400" dirty="0"/>
-              <a:t>5.Land Lord </a:t>
-            </a:r>
-          </a:p>
-          <a:p>
-            <a:pPr algn="ctr"/>
+              <a:t>Flat Booking </a:t>
+            </a:r>
+          </a:p>
+          <a:p>
+            <a:pPr marL="285750" indent="-285750">
+              <a:buFont typeface="Arial" panose="020B0604020202020204" pitchFamily="34" charset="0"/>
+              <a:buChar char="•"/>
+            </a:pPr>
             <a:r>
               <a:rPr lang="en-IN" sz="1400" dirty="0"/>
-              <a:t>6.Society  10. Address</a:t>
-            </a:r>
-          </a:p>
-          <a:p>
-            <a:pPr algn="ctr"/>
+              <a:t>Booking Request  </a:t>
+            </a:r>
+          </a:p>
+          <a:p>
+            <a:pPr marL="285750" indent="-285750">
+              <a:buFont typeface="Arial" panose="020B0604020202020204" pitchFamily="34" charset="0"/>
+              <a:buChar char="•"/>
+            </a:pPr>
             <a:r>
               <a:rPr lang="en-IN" sz="1400" dirty="0"/>
-              <a:t>7. Tenant </a:t>
-            </a:r>
-          </a:p>
-          <a:p>
-            <a:pPr algn="ctr"/>
+              <a:t>Land Lord </a:t>
+            </a:r>
+          </a:p>
+          <a:p>
+            <a:pPr marL="285750" indent="-285750">
+              <a:buFont typeface="Arial" panose="020B0604020202020204" pitchFamily="34" charset="0"/>
+              <a:buChar char="•"/>
+            </a:pPr>
             <a:r>
               <a:rPr lang="en-IN" sz="1400" dirty="0"/>
-              <a:t>8. User  </a:t>
-            </a:r>
-          </a:p>
-          <a:p>
-            <a:pPr algn="ctr"/>
+              <a:t>Society </a:t>
+            </a:r>
+          </a:p>
+          <a:p>
+            <a:pPr marL="285750" indent="-285750">
+              <a:buFont typeface="Arial" panose="020B0604020202020204" pitchFamily="34" charset="0"/>
+              <a:buChar char="•"/>
+            </a:pPr>
             <a:r>
               <a:rPr lang="en-IN" sz="1400" dirty="0"/>
-              <a:t>9. Flat</a:t>
+              <a:t>  Address</a:t>
+            </a:r>
+          </a:p>
+          <a:p>
+            <a:pPr marL="285750" indent="-285750">
+              <a:buFont typeface="Arial" panose="020B0604020202020204" pitchFamily="34" charset="0"/>
+              <a:buChar char="•"/>
+            </a:pPr>
+            <a:r>
+              <a:rPr lang="en-IN" sz="1400" dirty="0"/>
+              <a:t> Tenant </a:t>
+            </a:r>
+          </a:p>
+          <a:p>
+            <a:pPr marL="285750" indent="-285750">
+              <a:buFont typeface="Arial" panose="020B0604020202020204" pitchFamily="34" charset="0"/>
+              <a:buChar char="•"/>
+            </a:pPr>
+            <a:r>
+              <a:rPr lang="en-IN" sz="1400" dirty="0"/>
+              <a:t> User  </a:t>
+            </a:r>
+          </a:p>
+          <a:p>
+            <a:pPr marL="285750" indent="-285750">
+              <a:buFont typeface="Arial" panose="020B0604020202020204" pitchFamily="34" charset="0"/>
+              <a:buChar char="•"/>
+            </a:pPr>
+            <a:r>
+              <a:rPr lang="en-IN" sz="1400" dirty="0"/>
+              <a:t> Flat</a:t>
             </a:r>
             <a:endParaRPr lang="en-IN" sz="1600" dirty="0"/>
           </a:p>
@@ -16201,44 +16356,6 @@
           </a:p>
         </p:txBody>
       </p:sp>
-      <p:cxnSp>
-        <p:nvCxnSpPr>
-          <p:cNvPr id="30" name="Straight Connector 29">
-            <a:extLst>
-              <a:ext uri="{FF2B5EF4-FFF2-40B4-BE49-F238E27FC236}">
-                <a16:creationId xmlns:a16="http://schemas.microsoft.com/office/drawing/2014/main" id="{1FE2F0D2-AB27-483F-E733-A4825FD12439}"/>
-              </a:ext>
-            </a:extLst>
-          </p:cNvPr>
-          <p:cNvCxnSpPr>
-            <a:cxnSpLocks/>
-          </p:cNvCxnSpPr>
-          <p:nvPr/>
-        </p:nvCxnSpPr>
-        <p:spPr>
-          <a:xfrm>
-            <a:off x="8511540" y="1165430"/>
-            <a:ext cx="2402840" cy="0"/>
-          </a:xfrm>
-          <a:prstGeom prst="line">
-            <a:avLst/>
-          </a:prstGeom>
-        </p:spPr>
-        <p:style>
-          <a:lnRef idx="1">
-            <a:schemeClr val="accent1"/>
-          </a:lnRef>
-          <a:fillRef idx="0">
-            <a:schemeClr val="accent1"/>
-          </a:fillRef>
-          <a:effectRef idx="0">
-            <a:schemeClr val="accent1"/>
-          </a:effectRef>
-          <a:fontRef idx="minor">
-            <a:schemeClr val="tx1"/>
-          </a:fontRef>
-        </p:style>
-      </p:cxnSp>
       <p:cxnSp>
         <p:nvCxnSpPr>
           <p:cNvPr id="32" name="Straight Arrow Connector 31">
@@ -16278,6 +16395,42 @@
           </a:fillRef>
           <a:effectRef idx="0">
             <a:scrgbClr r="0" g="0" b="0"/>
+          </a:effectRef>
+          <a:fontRef idx="minor">
+            <a:schemeClr val="tx1"/>
+          </a:fontRef>
+        </p:style>
+      </p:cxnSp>
+      <p:cxnSp>
+        <p:nvCxnSpPr>
+          <p:cNvPr id="9" name="Straight Connector 8">
+            <a:extLst>
+              <a:ext uri="{FF2B5EF4-FFF2-40B4-BE49-F238E27FC236}">
+                <a16:creationId xmlns:a16="http://schemas.microsoft.com/office/drawing/2014/main" id="{0E6B8D8E-748D-A6EE-BF9D-C112AD01922A}"/>
+              </a:ext>
+            </a:extLst>
+          </p:cNvPr>
+          <p:cNvCxnSpPr/>
+          <p:nvPr/>
+        </p:nvCxnSpPr>
+        <p:spPr>
+          <a:xfrm>
+            <a:off x="8511540" y="1425677"/>
+            <a:ext cx="2382602" cy="0"/>
+          </a:xfrm>
+          <a:prstGeom prst="line">
+            <a:avLst/>
+          </a:prstGeom>
+        </p:spPr>
+        <p:style>
+          <a:lnRef idx="1">
+            <a:schemeClr val="accent1"/>
+          </a:lnRef>
+          <a:fillRef idx="0">
+            <a:schemeClr val="accent1"/>
+          </a:fillRef>
+          <a:effectRef idx="0">
+            <a:schemeClr val="accent1"/>
           </a:effectRef>
           <a:fontRef idx="minor">
             <a:schemeClr val="tx1"/>
